--- a/NES – Monthly Energy Consumption by Customer Type and ZIP Code .pptx
+++ b/NES – Monthly Energy Consumption by Customer Type and ZIP Code .pptx
@@ -21387,14 +21387,6 @@
               <a:rPr lang="en-US" sz="1600" dirty="0"/>
               <a:t>Services offered during holidays such as Christmas tree stands, Christmas lights in Lebanon </a:t>
             </a:r>
-            <a:r>
-              <a:rPr lang="en-US" sz="1600" dirty="0" err="1"/>
-              <a:t>etc</a:t>
-            </a:r>
-            <a:r>
-              <a:rPr lang="en-US" sz="1600" dirty="0"/>
-              <a:t> </a:t>
-            </a:r>
             <a:endParaRPr sz="1800" dirty="0"/>
           </a:p>
           <a:p>
